--- a/ErrorVis_Poster.pptx
+++ b/ErrorVis_Poster.pptx
@@ -114,7 +114,7 @@
   </p:defaultTextStyle>
   <p:extLst>
     <p:ext uri="{EFAFB233-063F-42B5-8137-9DF3F51BA10A}">
-      <p15:sldGuideLst xmlns="" xmlns:p15="http://schemas.microsoft.com/office/powerpoint/2012/main">
+      <p15:sldGuideLst xmlns:p15="http://schemas.microsoft.com/office/powerpoint/2012/main" xmlns="">
         <p15:guide id="1" orient="horz" pos="3318">
           <p15:clr>
             <a:srgbClr val="A4A3A4"/>
@@ -148,7 +148,7 @@
       </p15:sldGuideLst>
     </p:ext>
     <p:ext uri="{2D200454-40CA-4A62-9FC3-DE9A4176ACB9}">
-      <p15:notesGuideLst xmlns="" xmlns:p15="http://schemas.microsoft.com/office/powerpoint/2012/main">
+      <p15:notesGuideLst xmlns:p15="http://schemas.microsoft.com/office/powerpoint/2012/main" xmlns="">
         <p15:guide id="1" orient="horz" pos="2880">
           <p15:clr>
             <a:srgbClr val="A4A3A4"/>
@@ -257,7 +257,7 @@
             <a:fld id="{0158C5BC-9A70-462C-B28D-9600239EAC64}" type="datetimeFigureOut">
               <a:rPr lang="en-US" smtClean="0"/>
               <a:pPr/>
-              <a:t>7/28/18</a:t>
+              <a:t>7/30/18</a:t>
             </a:fld>
             <a:endParaRPr lang="en-US"/>
           </a:p>
@@ -424,7 +424,7 @@
             <a:fld id="{E6CC2317-6751-4CD4-9995-8782DD78E936}" type="datetimeFigureOut">
               <a:rPr lang="en-US" smtClean="0"/>
               <a:pPr/>
-              <a:t>7/28/18</a:t>
+              <a:t>7/30/18</a:t>
             </a:fld>
             <a:endParaRPr lang="en-US" dirty="0"/>
           </a:p>
@@ -9498,7 +9498,7 @@
               <a:graphicData uri="http://schemas.openxmlformats.org/presentationml/2006/ole">
                 <mc:AlternateContent xmlns:mc="http://schemas.openxmlformats.org/markup-compatibility/2006">
                   <mc:Choice xmlns:v="urn:schemas-microsoft-com:vml" Requires="v">
-                    <p:oleObj spid="_x0000_s1682" name="Image" r:id="rId10" imgW="1828440" imgH="1117440" progId="Photoshop.Image.13">
+                    <p:oleObj spid="_x0000_s1737" name="Image" r:id="rId10" imgW="1828440" imgH="1117440" progId="Photoshop.Image.13">
                       <p:embed/>
                     </p:oleObj>
                   </mc:Choice>
@@ -9555,7 +9555,7 @@
               <a:graphicData uri="http://schemas.openxmlformats.org/presentationml/2006/ole">
                 <mc:AlternateContent xmlns:mc="http://schemas.openxmlformats.org/markup-compatibility/2006">
                   <mc:Choice xmlns:v="urn:schemas-microsoft-com:vml" Requires="v">
-                    <p:oleObj spid="_x0000_s1683" name="Image" r:id="rId12" imgW="1828440" imgH="1117440" progId="Photoshop.Image.13">
+                    <p:oleObj spid="_x0000_s1738" name="Image" r:id="rId12" imgW="1828440" imgH="1117440" progId="Photoshop.Image.13">
                       <p:embed/>
                     </p:oleObj>
                   </mc:Choice>
@@ -10683,7 +10683,7 @@
             <a:graphicData uri="http://schemas.openxmlformats.org/presentationml/2006/ole">
               <mc:AlternateContent xmlns:mc="http://schemas.openxmlformats.org/markup-compatibility/2006">
                 <mc:Choice xmlns:v="urn:schemas-microsoft-com:vml" Requires="v">
-                  <p:oleObj spid="_x0000_s1684" name="Image" r:id="rId14" imgW="4571280" imgH="1688760" progId="Photoshop.Image.13">
+                  <p:oleObj spid="_x0000_s1739" name="Image" r:id="rId14" imgW="4571280" imgH="1688760" progId="Photoshop.Image.13">
                     <p:embed/>
                   </p:oleObj>
                 </mc:Choice>
@@ -10767,7 +10767,7 @@
             <a:graphicData uri="http://schemas.openxmlformats.org/presentationml/2006/ole">
               <mc:AlternateContent xmlns:mc="http://schemas.openxmlformats.org/markup-compatibility/2006">
                 <mc:Choice xmlns:v="urn:schemas-microsoft-com:vml" Requires="v">
-                  <p:oleObj spid="_x0000_s1685" name="Image" r:id="rId17" imgW="1574280" imgH="1053720" progId="Photoshop.Image.13">
+                  <p:oleObj spid="_x0000_s1740" name="Image" r:id="rId17" imgW="1574280" imgH="1053720" progId="Photoshop.Image.13">
                     <p:embed/>
                   </p:oleObj>
                 </mc:Choice>
@@ -12766,7 +12766,7 @@
             <a:graphicData uri="http://schemas.openxmlformats.org/presentationml/2006/ole">
               <mc:AlternateContent xmlns:mc="http://schemas.openxmlformats.org/markup-compatibility/2006">
                 <mc:Choice xmlns:v="urn:schemas-microsoft-com:vml" Requires="v">
-                  <p:oleObj spid="_x0000_s2726" name="Image" r:id="rId5" imgW="4571280" imgH="1688760" progId="Photoshop.Image.13">
+                  <p:oleObj spid="_x0000_s2781" name="Image" r:id="rId5" imgW="4571280" imgH="1688760" progId="Photoshop.Image.13">
                     <p:embed/>
                   </p:oleObj>
                 </mc:Choice>
@@ -12850,7 +12850,7 @@
             <a:graphicData uri="http://schemas.openxmlformats.org/presentationml/2006/ole">
               <mc:AlternateContent xmlns:mc="http://schemas.openxmlformats.org/markup-compatibility/2006">
                 <mc:Choice xmlns:v="urn:schemas-microsoft-com:vml" Requires="v">
-                  <p:oleObj spid="_x0000_s2727" name="Image" r:id="rId8" imgW="1574280" imgH="1053720" progId="Photoshop.Image.13">
+                  <p:oleObj spid="_x0000_s2782" name="Image" r:id="rId8" imgW="1574280" imgH="1053720" progId="Photoshop.Image.13">
                     <p:embed/>
                   </p:oleObj>
                 </mc:Choice>
@@ -14390,7 +14390,7 @@
               <a:graphicData uri="http://schemas.openxmlformats.org/presentationml/2006/ole">
                 <mc:AlternateContent xmlns:mc="http://schemas.openxmlformats.org/markup-compatibility/2006">
                   <mc:Choice xmlns:v="urn:schemas-microsoft-com:vml" Requires="v">
-                    <p:oleObj spid="_x0000_s2728" name="Image" r:id="rId16" imgW="1828440" imgH="1117440" progId="Photoshop.Image.13">
+                    <p:oleObj spid="_x0000_s2783" name="Image" r:id="rId16" imgW="1828440" imgH="1117440" progId="Photoshop.Image.13">
                       <p:embed/>
                     </p:oleObj>
                   </mc:Choice>
@@ -14447,7 +14447,7 @@
               <a:graphicData uri="http://schemas.openxmlformats.org/presentationml/2006/ole">
                 <mc:AlternateContent xmlns:mc="http://schemas.openxmlformats.org/markup-compatibility/2006">
                   <mc:Choice xmlns:v="urn:schemas-microsoft-com:vml" Requires="v">
-                    <p:oleObj spid="_x0000_s2729" name="Image" r:id="rId18" imgW="1828440" imgH="1117440" progId="Photoshop.Image.13">
+                    <p:oleObj spid="_x0000_s2784" name="Image" r:id="rId18" imgW="1828440" imgH="1117440" progId="Photoshop.Image.13">
                       <p:embed/>
                     </p:oleObj>
                   </mc:Choice>
@@ -16276,7 +16276,7 @@
             <a:graphicData uri="http://schemas.openxmlformats.org/presentationml/2006/ole">
               <mc:AlternateContent xmlns:mc="http://schemas.openxmlformats.org/markup-compatibility/2006">
                 <mc:Choice xmlns:v="urn:schemas-microsoft-com:vml" Requires="v">
-                  <p:oleObj spid="_x0000_s3730" name="Image" r:id="rId5" imgW="4571280" imgH="1688760" progId="Photoshop.Image.13">
+                  <p:oleObj spid="_x0000_s3785" name="Image" r:id="rId5" imgW="4571280" imgH="1688760" progId="Photoshop.Image.13">
                     <p:embed/>
                   </p:oleObj>
                 </mc:Choice>
@@ -16360,7 +16360,7 @@
             <a:graphicData uri="http://schemas.openxmlformats.org/presentationml/2006/ole">
               <mc:AlternateContent xmlns:mc="http://schemas.openxmlformats.org/markup-compatibility/2006">
                 <mc:Choice xmlns:v="urn:schemas-microsoft-com:vml" Requires="v">
-                  <p:oleObj spid="_x0000_s3731" name="Image" r:id="rId8" imgW="1574280" imgH="1053720" progId="Photoshop.Image.13">
+                  <p:oleObj spid="_x0000_s3786" name="Image" r:id="rId8" imgW="1574280" imgH="1053720" progId="Photoshop.Image.13">
                     <p:embed/>
                   </p:oleObj>
                 </mc:Choice>
@@ -17900,7 +17900,7 @@
               <a:graphicData uri="http://schemas.openxmlformats.org/presentationml/2006/ole">
                 <mc:AlternateContent xmlns:mc="http://schemas.openxmlformats.org/markup-compatibility/2006">
                   <mc:Choice xmlns:v="urn:schemas-microsoft-com:vml" Requires="v">
-                    <p:oleObj spid="_x0000_s3732" name="Image" r:id="rId16" imgW="1828440" imgH="1117440" progId="Photoshop.Image.13">
+                    <p:oleObj spid="_x0000_s3787" name="Image" r:id="rId16" imgW="1828440" imgH="1117440" progId="Photoshop.Image.13">
                       <p:embed/>
                     </p:oleObj>
                   </mc:Choice>
@@ -17957,7 +17957,7 @@
               <a:graphicData uri="http://schemas.openxmlformats.org/presentationml/2006/ole">
                 <mc:AlternateContent xmlns:mc="http://schemas.openxmlformats.org/markup-compatibility/2006">
                   <mc:Choice xmlns:v="urn:schemas-microsoft-com:vml" Requires="v">
-                    <p:oleObj spid="_x0000_s3733" name="Image" r:id="rId18" imgW="1828440" imgH="1117440" progId="Photoshop.Image.13">
+                    <p:oleObj spid="_x0000_s3788" name="Image" r:id="rId18" imgW="1828440" imgH="1117440" progId="Photoshop.Image.13">
                       <p:embed/>
                     </p:oleObj>
                   </mc:Choice>
@@ -18536,7 +18536,7 @@
                   <a:schemeClr val="tx1"/>
                 </a:solidFill>
               </a:rPr>
-              <a:t>The aggressive scaling trend in high-performance computation </a:t>
+              <a:t>The aggressive scaling trend in high-performance </a:t>
             </a:r>
             <a:r>
               <a:rPr lang="en-US" sz="4000" dirty="0" smtClean="0">
@@ -18544,7 +18544,7 @@
                   <a:schemeClr val="tx1"/>
                 </a:solidFill>
               </a:rPr>
-              <a:t>increase</a:t>
+              <a:t>computing</a:t>
             </a:r>
             <a:r>
               <a:rPr lang="zh-CN" altLang="en-US" sz="4000" dirty="0" smtClean="0">
@@ -18560,6 +18560,30 @@
                   <a:schemeClr val="tx1"/>
                 </a:solidFill>
               </a:rPr>
+              <a:t>architectures</a:t>
+            </a:r>
+            <a:r>
+              <a:rPr lang="en-US" sz="4000" dirty="0" smtClean="0">
+                <a:solidFill>
+                  <a:schemeClr val="tx1"/>
+                </a:solidFill>
+              </a:rPr>
+              <a:t> increases</a:t>
+            </a:r>
+            <a:r>
+              <a:rPr lang="zh-CN" altLang="en-US" sz="4000" dirty="0" smtClean="0">
+                <a:solidFill>
+                  <a:schemeClr val="tx1"/>
+                </a:solidFill>
+              </a:rPr>
+              <a:t> </a:t>
+            </a:r>
+            <a:r>
+              <a:rPr lang="en-US" altLang="zh-CN" sz="4000" dirty="0" smtClean="0">
+                <a:solidFill>
+                  <a:schemeClr val="tx1"/>
+                </a:solidFill>
+              </a:rPr>
               <a:t>the</a:t>
             </a:r>
             <a:r>
@@ -18600,6 +18624,38 @@
                   <a:schemeClr val="tx1"/>
                 </a:solidFill>
               </a:rPr>
+              <a:t> silent data corruption </a:t>
+            </a:r>
+            <a:r>
+              <a:rPr lang="en-US" altLang="zh-CN" sz="4000" dirty="0" smtClean="0">
+                <a:solidFill>
+                  <a:schemeClr val="tx1"/>
+                </a:solidFill>
+              </a:rPr>
+              <a:t>(SDC) </a:t>
+            </a:r>
+            <a:r>
+              <a:rPr lang="en-US" sz="4000" dirty="0" smtClean="0">
+                <a:solidFill>
+                  <a:schemeClr val="tx1"/>
+                </a:solidFill>
+              </a:rPr>
+              <a:t>and </a:t>
+            </a:r>
+            <a:r>
+              <a:rPr lang="en-US" sz="4000" dirty="0" smtClean="0">
+                <a:solidFill>
+                  <a:schemeClr val="tx1"/>
+                </a:solidFill>
+              </a:rPr>
+              <a:t>reduces</a:t>
+            </a:r>
+            <a:r>
+              <a:rPr lang="zh-CN" altLang="en-US" sz="4000" dirty="0" smtClean="0">
+                <a:solidFill>
+                  <a:schemeClr val="tx1"/>
+                </a:solidFill>
+              </a:rPr>
               <a:t> </a:t>
             </a:r>
             <a:r>
@@ -18608,7 +18664,7 @@
                   <a:schemeClr val="tx1"/>
                 </a:solidFill>
               </a:rPr>
-              <a:t>silent data corruption and make the computation result’s unreliability. How to improve </a:t>
+              <a:t>result reliability</a:t>
             </a:r>
             <a:r>
               <a:rPr lang="en-US" sz="4000" dirty="0" smtClean="0">
@@ -18616,7 +18672,7 @@
                   <a:schemeClr val="tx1"/>
                 </a:solidFill>
               </a:rPr>
-              <a:t>applications‘ </a:t>
+              <a:t>. </a:t>
             </a:r>
             <a:r>
               <a:rPr lang="en-US" sz="4000" dirty="0" smtClean="0">
@@ -18624,7 +18680,39 @@
                   <a:schemeClr val="tx1"/>
                 </a:solidFill>
               </a:rPr>
-              <a:t>resiliency become a concern in computation community. In this study, we cooperate with </a:t>
+              <a:t>Methods</a:t>
+            </a:r>
+            <a:r>
+              <a:rPr lang="zh-CN" altLang="en-US" sz="4000" dirty="0" smtClean="0">
+                <a:solidFill>
+                  <a:schemeClr val="tx1"/>
+                </a:solidFill>
+              </a:rPr>
+              <a:t> </a:t>
+            </a:r>
+            <a:r>
+              <a:rPr lang="en-US" altLang="zh-CN" sz="4000" dirty="0" smtClean="0">
+                <a:solidFill>
+                  <a:schemeClr val="tx1"/>
+                </a:solidFill>
+              </a:rPr>
+              <a:t>to</a:t>
+            </a:r>
+            <a:r>
+              <a:rPr lang="zh-CN" altLang="en-US" sz="4000" dirty="0" smtClean="0">
+                <a:solidFill>
+                  <a:schemeClr val="tx1"/>
+                </a:solidFill>
+              </a:rPr>
+              <a:t> </a:t>
+            </a:r>
+            <a:r>
+              <a:rPr lang="en-US" altLang="zh-CN" sz="4000" dirty="0" smtClean="0">
+                <a:solidFill>
+                  <a:schemeClr val="tx1"/>
+                </a:solidFill>
+              </a:rPr>
+              <a:t>i</a:t>
             </a:r>
             <a:r>
               <a:rPr lang="en-US" sz="4000" dirty="0" smtClean="0">
@@ -18632,7 +18720,23 @@
                   <a:schemeClr val="tx1"/>
                 </a:solidFill>
               </a:rPr>
-              <a:t>two</a:t>
+              <a:t>mprove applications‘ </a:t>
+            </a:r>
+            <a:r>
+              <a:rPr lang="en-US" sz="4000" dirty="0" smtClean="0">
+                <a:solidFill>
+                  <a:schemeClr val="tx1"/>
+                </a:solidFill>
+              </a:rPr>
+              <a:t>resiliency </a:t>
+            </a:r>
+            <a:r>
+              <a:rPr lang="en-US" sz="4000" dirty="0" smtClean="0">
+                <a:solidFill>
+                  <a:schemeClr val="tx1"/>
+                </a:solidFill>
+              </a:rPr>
+              <a:t>has</a:t>
             </a:r>
             <a:r>
               <a:rPr lang="zh-CN" altLang="en-US" sz="4000" dirty="0" smtClean="0">
@@ -18643,12 +18747,44 @@
               <a:t> </a:t>
             </a:r>
             <a:r>
+              <a:rPr lang="en-US" sz="4000" dirty="0" smtClean="0">
+                <a:solidFill>
+                  <a:schemeClr val="tx1"/>
+                </a:solidFill>
+              </a:rPr>
+              <a:t>become </a:t>
+            </a:r>
+            <a:r>
+              <a:rPr lang="en-US" sz="4000" dirty="0" smtClean="0">
+                <a:solidFill>
+                  <a:schemeClr val="tx1"/>
+                </a:solidFill>
+              </a:rPr>
+              <a:t>a concern in </a:t>
+            </a:r>
+            <a:r>
+              <a:rPr lang="en-US" sz="4000" dirty="0" smtClean="0">
+                <a:solidFill>
+                  <a:schemeClr val="tx1"/>
+                </a:solidFill>
+              </a:rPr>
+              <a:t>the</a:t>
+            </a:r>
+            <a:r>
+              <a:rPr lang="zh-CN" altLang="en-US" sz="4000" dirty="0" smtClean="0">
+                <a:solidFill>
+                  <a:schemeClr val="tx1"/>
+                </a:solidFill>
+              </a:rPr>
+              <a:t> </a:t>
+            </a:r>
+            <a:r>
               <a:rPr lang="en-US" altLang="zh-CN" sz="4000" dirty="0" smtClean="0">
                 <a:solidFill>
                   <a:schemeClr val="tx1"/>
                 </a:solidFill>
               </a:rPr>
-              <a:t>high-</a:t>
+              <a:t>HPC</a:t>
             </a:r>
             <a:r>
               <a:rPr lang="zh-CN" altLang="en-US" sz="4000" dirty="0" smtClean="0">
@@ -18659,12 +18795,52 @@
               <a:t> </a:t>
             </a:r>
             <a:r>
+              <a:rPr lang="en-US" sz="4000" dirty="0" smtClean="0">
+                <a:solidFill>
+                  <a:schemeClr val="tx1"/>
+                </a:solidFill>
+              </a:rPr>
+              <a:t>community</a:t>
+            </a:r>
+            <a:r>
+              <a:rPr lang="en-US" sz="4000" dirty="0" smtClean="0">
+                <a:solidFill>
+                  <a:schemeClr val="tx1"/>
+                </a:solidFill>
+              </a:rPr>
+              <a:t>. In this study, we </a:t>
+            </a:r>
+            <a:r>
+              <a:rPr lang="en-US" sz="4000" dirty="0" smtClean="0">
+                <a:solidFill>
+                  <a:schemeClr val="tx1"/>
+                </a:solidFill>
+              </a:rPr>
+              <a:t>design </a:t>
+            </a:r>
+            <a:r>
+              <a:rPr lang="en-US" sz="4000" dirty="0" smtClean="0">
+                <a:solidFill>
+                  <a:schemeClr val="tx1"/>
+                </a:solidFill>
+              </a:rPr>
+              <a:t>a visualization system to understand</a:t>
+            </a:r>
+            <a:r>
+              <a:rPr lang="zh-CN" altLang="en-US" sz="4000" dirty="0" smtClean="0">
+                <a:solidFill>
+                  <a:schemeClr val="tx1"/>
+                </a:solidFill>
+              </a:rPr>
+              <a:t> </a:t>
+            </a:r>
+            <a:r>
               <a:rPr lang="en-US" altLang="zh-CN" sz="4000" dirty="0" smtClean="0">
                 <a:solidFill>
                   <a:schemeClr val="tx1"/>
                 </a:solidFill>
               </a:rPr>
-              <a:t>performance</a:t>
+              <a:t>the</a:t>
             </a:r>
             <a:r>
               <a:rPr lang="zh-CN" altLang="en-US" sz="4000" dirty="0" smtClean="0">
@@ -18680,7 +18856,7 @@
                   <a:schemeClr val="tx1"/>
                 </a:solidFill>
               </a:rPr>
-              <a:t>computation</a:t>
+              <a:t>impact</a:t>
             </a:r>
             <a:r>
               <a:rPr lang="zh-CN" altLang="en-US" sz="4000" dirty="0" smtClean="0">
@@ -18696,10 +18872,10 @@
                   <a:schemeClr val="tx1"/>
                 </a:solidFill>
               </a:rPr>
-              <a:t>researchers</a:t>
-            </a:r>
-            <a:r>
-              <a:rPr lang="en-US" sz="4000" dirty="0" smtClean="0">
+              <a:t>of</a:t>
+            </a:r>
+            <a:r>
+              <a:rPr lang="zh-CN" altLang="en-US" sz="4000" dirty="0" smtClean="0">
                 <a:solidFill>
                   <a:schemeClr val="tx1"/>
                 </a:solidFill>
@@ -18707,20 +18883,28 @@
               <a:t> </a:t>
             </a:r>
             <a:r>
-              <a:rPr lang="en-US" sz="4000" dirty="0" smtClean="0">
+              <a:rPr lang="en-US" altLang="zh-CN" sz="4000" dirty="0" smtClean="0">
                 <a:solidFill>
                   <a:schemeClr val="tx1"/>
                 </a:solidFill>
               </a:rPr>
-              <a:t>design a visualization system to </a:t>
-            </a:r>
-            <a:r>
-              <a:rPr lang="en-US" sz="4000" dirty="0" smtClean="0">
+              <a:t>silent</a:t>
+            </a:r>
+            <a:r>
+              <a:rPr lang="zh-CN" altLang="en-US" sz="4000" dirty="0" smtClean="0">
                 <a:solidFill>
                   <a:schemeClr val="tx1"/>
                 </a:solidFill>
               </a:rPr>
-              <a:t>understand</a:t>
+              <a:t> </a:t>
+            </a:r>
+            <a:r>
+              <a:rPr lang="en-US" altLang="zh-CN" sz="4000" dirty="0" smtClean="0">
+                <a:solidFill>
+                  <a:schemeClr val="tx1"/>
+                </a:solidFill>
+              </a:rPr>
+              <a:t>data</a:t>
             </a:r>
             <a:r>
               <a:rPr lang="zh-CN" altLang="en-US" sz="4000" dirty="0" smtClean="0">
@@ -18731,12 +18915,12 @@
               <a:t> </a:t>
             </a:r>
             <a:r>
-              <a:rPr lang="en-US" sz="4000" dirty="0" smtClean="0">
+              <a:rPr lang="en-US" altLang="zh-CN" sz="4000" dirty="0" smtClean="0">
                 <a:solidFill>
                   <a:schemeClr val="tx1"/>
                 </a:solidFill>
               </a:rPr>
-              <a:t>a program’s</a:t>
+              <a:t>corruption</a:t>
             </a:r>
             <a:r>
               <a:rPr lang="zh-CN" altLang="en-US" sz="4000" dirty="0" smtClean="0">
@@ -18752,7 +18936,7 @@
                   <a:schemeClr val="tx1"/>
                 </a:solidFill>
               </a:rPr>
-              <a:t>resilient</a:t>
+              <a:t>on</a:t>
             </a:r>
             <a:r>
               <a:rPr lang="zh-CN" altLang="en-US" sz="4000" dirty="0" smtClean="0">
@@ -18768,71 +18952,7 @@
                   <a:schemeClr val="tx1"/>
                 </a:solidFill>
               </a:rPr>
-              <a:t>property</a:t>
-            </a:r>
-            <a:r>
-              <a:rPr lang="zh-CN" altLang="en-US" sz="4000" dirty="0" smtClean="0">
-                <a:solidFill>
-                  <a:schemeClr val="tx1"/>
-                </a:solidFill>
-              </a:rPr>
-              <a:t> </a:t>
-            </a:r>
-            <a:r>
-              <a:rPr lang="en-US" altLang="zh-CN" sz="4000" dirty="0" smtClean="0">
-                <a:solidFill>
-                  <a:schemeClr val="tx1"/>
-                </a:solidFill>
-              </a:rPr>
-              <a:t>to</a:t>
-            </a:r>
-            <a:r>
-              <a:rPr lang="zh-CN" altLang="en-US" sz="4000" dirty="0" smtClean="0">
-                <a:solidFill>
-                  <a:schemeClr val="tx1"/>
-                </a:solidFill>
-              </a:rPr>
-              <a:t> </a:t>
-            </a:r>
-            <a:r>
-              <a:rPr lang="en-US" altLang="zh-CN" sz="4000" dirty="0" smtClean="0">
-                <a:solidFill>
-                  <a:schemeClr val="tx1"/>
-                </a:solidFill>
-              </a:rPr>
-              <a:t>silent</a:t>
-            </a:r>
-            <a:r>
-              <a:rPr lang="zh-CN" altLang="en-US" sz="4000" dirty="0" smtClean="0">
-                <a:solidFill>
-                  <a:schemeClr val="tx1"/>
-                </a:solidFill>
-              </a:rPr>
-              <a:t> </a:t>
-            </a:r>
-            <a:r>
-              <a:rPr lang="en-US" altLang="zh-CN" sz="4000" dirty="0" smtClean="0">
-                <a:solidFill>
-                  <a:schemeClr val="tx1"/>
-                </a:solidFill>
-              </a:rPr>
-              <a:t>data</a:t>
-            </a:r>
-            <a:r>
-              <a:rPr lang="zh-CN" altLang="en-US" sz="4000" dirty="0" smtClean="0">
-                <a:solidFill>
-                  <a:schemeClr val="tx1"/>
-                </a:solidFill>
-              </a:rPr>
-              <a:t> </a:t>
-            </a:r>
-            <a:r>
-              <a:rPr lang="en-US" altLang="zh-CN" sz="4000" dirty="0" smtClean="0">
-                <a:solidFill>
-                  <a:schemeClr val="tx1"/>
-                </a:solidFill>
-              </a:rPr>
-              <a:t>corruption</a:t>
+              <a:t>HPC programs</a:t>
             </a:r>
             <a:r>
               <a:rPr lang="en-US" sz="4000" dirty="0" smtClean="0">
@@ -18864,7 +18984,7 @@
                   <a:srgbClr val="000000"/>
                 </a:solidFill>
               </a:rPr>
-              <a:t>Transient error, such </a:t>
+              <a:t>Transient </a:t>
             </a:r>
             <a:r>
               <a:rPr lang="en-US" sz="4000" dirty="0" smtClean="0">
@@ -18872,7 +18992,15 @@
                   <a:srgbClr val="000000"/>
                 </a:solidFill>
               </a:rPr>
-              <a:t>as</a:t>
+              <a:t>errors, </a:t>
+            </a:r>
+            <a:r>
+              <a:rPr lang="en-US" sz="4000" dirty="0" smtClean="0">
+                <a:solidFill>
+                  <a:srgbClr val="000000"/>
+                </a:solidFill>
+              </a:rPr>
+              <a:t>such as</a:t>
             </a:r>
             <a:r>
               <a:rPr lang="zh-CN" altLang="en-US" sz="4000" dirty="0" smtClean="0">
@@ -18896,6 +19024,22 @@
                   <a:srgbClr val="000000"/>
                 </a:solidFill>
               </a:rPr>
+              <a:t> random bit </a:t>
+            </a:r>
+            <a:r>
+              <a:rPr lang="en-US" sz="4000" dirty="0" smtClean="0">
+                <a:solidFill>
+                  <a:srgbClr val="000000"/>
+                </a:solidFill>
+              </a:rPr>
+              <a:t>flips, are</a:t>
+            </a:r>
+            <a:r>
+              <a:rPr lang="zh-CN" altLang="en-US" sz="4000" dirty="0" smtClean="0">
+                <a:solidFill>
+                  <a:srgbClr val="000000"/>
+                </a:solidFill>
+              </a:rPr>
               <a:t> </a:t>
             </a:r>
             <a:r>
@@ -18904,7 +19048,7 @@
                   <a:srgbClr val="000000"/>
                 </a:solidFill>
               </a:rPr>
-              <a:t>random bit flip, </a:t>
+              <a:t>caused </a:t>
             </a:r>
             <a:r>
               <a:rPr lang="en-US" sz="4000" dirty="0" smtClean="0">
@@ -18912,7 +19056,7 @@
                   <a:srgbClr val="000000"/>
                 </a:solidFill>
               </a:rPr>
-              <a:t>caused </a:t>
+              <a:t>by high energy </a:t>
             </a:r>
             <a:r>
               <a:rPr lang="en-US" sz="4000" dirty="0" smtClean="0">
@@ -18920,7 +19064,7 @@
                   <a:srgbClr val="000000"/>
                 </a:solidFill>
               </a:rPr>
-              <a:t>by high energy particle or device noise </a:t>
+              <a:t>particles </a:t>
             </a:r>
             <a:r>
               <a:rPr lang="en-US" sz="4000" dirty="0" smtClean="0">
@@ -18928,6 +19072,30 @@
                   <a:srgbClr val="000000"/>
                 </a:solidFill>
               </a:rPr>
+              <a:t>or device noise </a:t>
+            </a:r>
+            <a:r>
+              <a:rPr lang="en-US" sz="4000" dirty="0" smtClean="0">
+                <a:solidFill>
+                  <a:srgbClr val="000000"/>
+                </a:solidFill>
+              </a:rPr>
+              <a:t>and</a:t>
+            </a:r>
+            <a:r>
+              <a:rPr lang="zh-CN" altLang="en-US" sz="4000" dirty="0" smtClean="0">
+                <a:solidFill>
+                  <a:srgbClr val="000000"/>
+                </a:solidFill>
+              </a:rPr>
+              <a:t> </a:t>
+            </a:r>
+            <a:r>
+              <a:rPr lang="en-US" sz="4000" dirty="0" smtClean="0">
+                <a:solidFill>
+                  <a:srgbClr val="000000"/>
+                </a:solidFill>
+              </a:rPr>
               <a:t>may</a:t>
             </a:r>
             <a:r>
@@ -18968,23 +19136,7 @@
                   <a:srgbClr val="000000"/>
                 </a:solidFill>
               </a:rPr>
-              <a:t> </a:t>
-            </a:r>
-            <a:r>
-              <a:rPr lang="en-US" sz="4000" dirty="0" smtClean="0">
-                <a:solidFill>
-                  <a:srgbClr val="000000"/>
-                </a:solidFill>
-              </a:rPr>
-              <a:t>the </a:t>
-            </a:r>
-            <a:r>
-              <a:rPr lang="en-US" sz="4000" dirty="0" smtClean="0">
-                <a:solidFill>
-                  <a:srgbClr val="000000"/>
-                </a:solidFill>
-              </a:rPr>
-              <a:t>computation</a:t>
+              <a:t> the computation</a:t>
             </a:r>
             <a:r>
               <a:rPr lang="zh-CN" altLang="en-US" sz="4000" dirty="0" smtClean="0">
@@ -19006,7 +19158,6 @@
               <a:rPr lang="en-US" sz="4000" dirty="0" smtClean="0"/>
               <a:t>. </a:t>
             </a:r>
-            <a:endParaRPr lang="en-US" sz="4000" dirty="0" smtClean="0"/>
           </a:p>
           <a:p>
             <a:pPr marL="571500" indent="-571500" algn="just">
@@ -19051,6 +19202,22 @@
                   <a:srgbClr val="000000"/>
                 </a:solidFill>
               </a:rPr>
+              <a:t>silently</a:t>
+            </a:r>
+            <a:r>
+              <a:rPr lang="zh-CN" altLang="en-US" sz="3200" dirty="0" smtClean="0">
+                <a:solidFill>
+                  <a:srgbClr val="000000"/>
+                </a:solidFill>
+              </a:rPr>
+              <a:t> </a:t>
+            </a:r>
+            <a:r>
+              <a:rPr lang="en-US" altLang="zh-CN" sz="3200" dirty="0" smtClean="0">
+                <a:solidFill>
+                  <a:srgbClr val="000000"/>
+                </a:solidFill>
+              </a:rPr>
               <a:t>c</a:t>
             </a:r>
             <a:r>
@@ -19059,7 +19226,7 @@
                   <a:srgbClr val="000000"/>
                 </a:solidFill>
               </a:rPr>
-              <a:t>orrupt </a:t>
+              <a:t>orrupts </a:t>
             </a:r>
             <a:r>
               <a:rPr lang="en-US" sz="3200" dirty="0" smtClean="0">
@@ -19075,31 +19242,7 @@
                   <a:srgbClr val="000000"/>
                 </a:solidFill>
               </a:rPr>
-              <a:t>output</a:t>
-            </a:r>
-            <a:r>
-              <a:rPr lang="zh-CN" altLang="en-US" sz="3200" dirty="0" smtClean="0">
-                <a:solidFill>
-                  <a:srgbClr val="000000"/>
-                </a:solidFill>
-              </a:rPr>
-              <a:t> </a:t>
-            </a:r>
-            <a:r>
-              <a:rPr lang="en-US" altLang="zh-CN" sz="3200" dirty="0" smtClean="0">
-                <a:solidFill>
-                  <a:srgbClr val="000000"/>
-                </a:solidFill>
-              </a:rPr>
-              <a:t>s</a:t>
-            </a:r>
-            <a:r>
-              <a:rPr lang="en-US" sz="3200" dirty="0" smtClean="0">
-                <a:solidFill>
-                  <a:srgbClr val="000000"/>
-                </a:solidFill>
-              </a:rPr>
-              <a:t>ilently.</a:t>
+              <a:t>output.</a:t>
             </a:r>
             <a:endParaRPr lang="en-US" sz="3200" dirty="0" smtClean="0">
               <a:solidFill>
@@ -19133,12 +19276,12 @@
               <a:t> </a:t>
             </a:r>
             <a:r>
-              <a:rPr lang="en-US" sz="3200" dirty="0">
+              <a:rPr lang="en-US" sz="3200" dirty="0" smtClean="0">
                 <a:solidFill>
                   <a:srgbClr val="000000"/>
                 </a:solidFill>
               </a:rPr>
-              <a:t>E</a:t>
+              <a:t>Error </a:t>
             </a:r>
             <a:r>
               <a:rPr lang="en-US" sz="3200" dirty="0" smtClean="0">
@@ -19146,7 +19289,55 @@
                   <a:srgbClr val="000000"/>
                 </a:solidFill>
               </a:rPr>
-              <a:t>rror </a:t>
+              <a:t>is under</a:t>
+            </a:r>
+            <a:r>
+              <a:rPr lang="zh-CN" altLang="en-US" sz="3200" dirty="0" smtClean="0">
+                <a:solidFill>
+                  <a:srgbClr val="000000"/>
+                </a:solidFill>
+              </a:rPr>
+              <a:t> </a:t>
+            </a:r>
+            <a:r>
+              <a:rPr lang="en-US" altLang="zh-CN" sz="3200" dirty="0" smtClean="0">
+                <a:solidFill>
+                  <a:srgbClr val="000000"/>
+                </a:solidFill>
+              </a:rPr>
+              <a:t>the</a:t>
+            </a:r>
+            <a:r>
+              <a:rPr lang="zh-CN" altLang="en-US" sz="3200" dirty="0" smtClean="0">
+                <a:solidFill>
+                  <a:srgbClr val="000000"/>
+                </a:solidFill>
+              </a:rPr>
+              <a:t> </a:t>
+            </a:r>
+            <a:r>
+              <a:rPr lang="en-US" altLang="zh-CN" sz="3200" dirty="0" smtClean="0">
+                <a:solidFill>
+                  <a:srgbClr val="000000"/>
+                </a:solidFill>
+              </a:rPr>
+              <a:t>detection</a:t>
+            </a:r>
+            <a:r>
+              <a:rPr lang="zh-CN" altLang="en-US" sz="3200" dirty="0" smtClean="0">
+                <a:solidFill>
+                  <a:srgbClr val="000000"/>
+                </a:solidFill>
+              </a:rPr>
+              <a:t> </a:t>
+            </a:r>
+            <a:r>
+              <a:rPr lang="en-US" altLang="zh-CN" sz="3200" dirty="0" smtClean="0">
+                <a:solidFill>
+                  <a:srgbClr val="000000"/>
+                </a:solidFill>
+              </a:rPr>
+              <a:t>threshold</a:t>
             </a:r>
             <a:r>
               <a:rPr lang="en-US" sz="3200" dirty="0" smtClean="0">
@@ -19154,85 +19345,8 @@
                   <a:srgbClr val="000000"/>
                 </a:solidFill>
               </a:rPr>
-              <a:t>vanish</a:t>
-            </a:r>
-            <a:r>
-              <a:rPr lang="en-US" altLang="zh-CN" sz="3200" dirty="0" smtClean="0">
-                <a:solidFill>
-                  <a:srgbClr val="000000"/>
-                </a:solidFill>
-              </a:rPr>
-              <a:t>,</a:t>
-            </a:r>
-            <a:r>
-              <a:rPr lang="en-US" sz="3200" dirty="0" smtClean="0">
-                <a:solidFill>
-                  <a:srgbClr val="000000"/>
-                </a:solidFill>
-              </a:rPr>
-              <a:t> </a:t>
-            </a:r>
-            <a:r>
-              <a:rPr lang="en-US" sz="3200" dirty="0" smtClean="0">
-                <a:solidFill>
-                  <a:srgbClr val="000000"/>
-                </a:solidFill>
-              </a:rPr>
-              <a:t>and computation outcome is </a:t>
-            </a:r>
-            <a:r>
-              <a:rPr lang="en-US" sz="3200" dirty="0" smtClean="0">
-                <a:solidFill>
-                  <a:srgbClr val="000000"/>
-                </a:solidFill>
-              </a:rPr>
-              <a:t>under</a:t>
-            </a:r>
-            <a:r>
-              <a:rPr lang="zh-CN" altLang="en-US" sz="3200" dirty="0" smtClean="0">
-                <a:solidFill>
-                  <a:srgbClr val="000000"/>
-                </a:solidFill>
-              </a:rPr>
-              <a:t> </a:t>
-            </a:r>
-            <a:r>
-              <a:rPr lang="en-US" altLang="zh-CN" sz="3200" dirty="0" smtClean="0">
-                <a:solidFill>
-                  <a:srgbClr val="000000"/>
-                </a:solidFill>
-              </a:rPr>
-              <a:t>the</a:t>
-            </a:r>
-            <a:r>
-              <a:rPr lang="zh-CN" altLang="en-US" sz="3200" dirty="0" smtClean="0">
-                <a:solidFill>
-                  <a:srgbClr val="000000"/>
-                </a:solidFill>
-              </a:rPr>
-              <a:t> </a:t>
-            </a:r>
-            <a:r>
-              <a:rPr lang="en-US" altLang="zh-CN" sz="3200" dirty="0" smtClean="0">
-                <a:solidFill>
-                  <a:srgbClr val="000000"/>
-                </a:solidFill>
-              </a:rPr>
-              <a:t>threshold</a:t>
-            </a:r>
-            <a:r>
-              <a:rPr lang="en-US" sz="3200" dirty="0" smtClean="0">
-                <a:solidFill>
-                  <a:srgbClr val="000000"/>
-                </a:solidFill>
-              </a:rPr>
               <a:t>.</a:t>
             </a:r>
-            <a:endParaRPr lang="en-US" sz="3200" dirty="0" smtClean="0">
-              <a:solidFill>
-                <a:srgbClr val="000000"/>
-              </a:solidFill>
-            </a:endParaRPr>
           </a:p>
           <a:p>
             <a:pPr marL="571500" indent="-571500" algn="just">
@@ -19281,6 +19395,70 @@
                   <a:srgbClr val="000000"/>
                 </a:solidFill>
               </a:rPr>
+              <a:t>causes</a:t>
+            </a:r>
+            <a:r>
+              <a:rPr lang="zh-CN" altLang="en-US" sz="3200" dirty="0" smtClean="0">
+                <a:solidFill>
+                  <a:srgbClr val="000000"/>
+                </a:solidFill>
+              </a:rPr>
+              <a:t> </a:t>
+            </a:r>
+            <a:r>
+              <a:rPr lang="en-US" altLang="zh-CN" sz="3200" dirty="0" smtClean="0">
+                <a:solidFill>
+                  <a:srgbClr val="000000"/>
+                </a:solidFill>
+              </a:rPr>
+              <a:t>the</a:t>
+            </a:r>
+            <a:r>
+              <a:rPr lang="zh-CN" altLang="en-US" sz="3200" dirty="0" smtClean="0">
+                <a:solidFill>
+                  <a:srgbClr val="000000"/>
+                </a:solidFill>
+              </a:rPr>
+              <a:t> </a:t>
+            </a:r>
+            <a:r>
+              <a:rPr lang="en-US" altLang="zh-CN" sz="3200" dirty="0" smtClean="0">
+                <a:solidFill>
+                  <a:srgbClr val="000000"/>
+                </a:solidFill>
+              </a:rPr>
+              <a:t>program</a:t>
+            </a:r>
+            <a:r>
+              <a:rPr lang="zh-CN" altLang="en-US" sz="3200" dirty="0" smtClean="0">
+                <a:solidFill>
+                  <a:srgbClr val="000000"/>
+                </a:solidFill>
+              </a:rPr>
+              <a:t> </a:t>
+            </a:r>
+            <a:r>
+              <a:rPr lang="en-US" altLang="zh-CN" sz="3200" dirty="0" smtClean="0">
+                <a:solidFill>
+                  <a:srgbClr val="000000"/>
+                </a:solidFill>
+              </a:rPr>
+              <a:t>to</a:t>
+            </a:r>
+            <a:r>
+              <a:rPr lang="zh-CN" altLang="en-US" sz="3200" dirty="0" smtClean="0">
+                <a:solidFill>
+                  <a:srgbClr val="000000"/>
+                </a:solidFill>
+              </a:rPr>
+              <a:t> </a:t>
+            </a:r>
+            <a:r>
+              <a:rPr lang="en-US" altLang="zh-CN" sz="3200" dirty="0" smtClean="0">
+                <a:solidFill>
+                  <a:srgbClr val="000000"/>
+                </a:solidFill>
+              </a:rPr>
               <a:t>c</a:t>
             </a:r>
             <a:r>
@@ -19292,36 +19470,12 @@
               <a:t>rash</a:t>
             </a:r>
             <a:r>
-              <a:rPr lang="zh-CN" altLang="en-US" sz="3200" dirty="0" smtClean="0">
+              <a:rPr lang="zh-CN" altLang="en-US" sz="3200" dirty="0">
                 <a:solidFill>
                   <a:srgbClr val="000000"/>
                 </a:solidFill>
               </a:rPr>
-              <a:t> </a:t>
-            </a:r>
-            <a:r>
-              <a:rPr lang="en-US" altLang="zh-CN" sz="3200" dirty="0" smtClean="0">
-                <a:solidFill>
-                  <a:srgbClr val="000000"/>
-                </a:solidFill>
-              </a:rPr>
-              <a:t>the</a:t>
-            </a:r>
-            <a:r>
-              <a:rPr lang="zh-CN" altLang="en-US" sz="3200" dirty="0" smtClean="0">
-                <a:solidFill>
-                  <a:srgbClr val="000000"/>
-                </a:solidFill>
-              </a:rPr>
-              <a:t> </a:t>
-            </a:r>
-            <a:r>
-              <a:rPr lang="en-US" altLang="zh-CN" sz="3200" dirty="0" smtClean="0">
-                <a:solidFill>
-                  <a:srgbClr val="000000"/>
-                </a:solidFill>
-              </a:rPr>
-              <a:t>program</a:t>
+              <a:t>.</a:t>
             </a:r>
             <a:endParaRPr lang="en-US" sz="3200" dirty="0">
               <a:solidFill>
@@ -19479,6 +19633,105 @@
               <a:buFont typeface="Arial"/>
               <a:buChar char="•"/>
             </a:pPr>
+            <a:endParaRPr lang="en-US" altLang="zh-CN" sz="4000" dirty="0" smtClean="0"/>
+          </a:p>
+          <a:p>
+            <a:pPr marL="571500" indent="-571500">
+              <a:buFont typeface="Arial"/>
+              <a:buChar char="•"/>
+            </a:pPr>
+            <a:r>
+              <a:rPr lang="en-US" altLang="zh-CN" sz="4000" dirty="0" err="1" smtClean="0"/>
+              <a:t>SpotSDC</a:t>
+            </a:r>
+            <a:r>
+              <a:rPr lang="zh-CN" altLang="en-US" sz="4000" dirty="0" smtClean="0"/>
+              <a:t> </a:t>
+            </a:r>
+            <a:r>
+              <a:rPr lang="en-US" altLang="zh-CN" sz="4000" dirty="0" smtClean="0"/>
+              <a:t>shows</a:t>
+            </a:r>
+            <a:r>
+              <a:rPr lang="zh-CN" altLang="en-US" sz="4000" dirty="0" smtClean="0"/>
+              <a:t> </a:t>
+            </a:r>
+            <a:r>
+              <a:rPr lang="en-US" altLang="zh-CN" sz="4000" dirty="0" smtClean="0"/>
+              <a:t>the</a:t>
+            </a:r>
+            <a:r>
+              <a:rPr lang="zh-CN" altLang="en-US" sz="4000" dirty="0" smtClean="0"/>
+              <a:t> </a:t>
+            </a:r>
+            <a:r>
+              <a:rPr lang="en-US" altLang="zh-CN" sz="4000" dirty="0" smtClean="0"/>
+              <a:t>impact</a:t>
+            </a:r>
+            <a:r>
+              <a:rPr lang="zh-CN" altLang="en-US" sz="4000" dirty="0" smtClean="0"/>
+              <a:t> </a:t>
+            </a:r>
+            <a:r>
+              <a:rPr lang="en-US" altLang="zh-CN" sz="4000" dirty="0" smtClean="0"/>
+              <a:t>of</a:t>
+            </a:r>
+            <a:r>
+              <a:rPr lang="zh-CN" altLang="en-US" sz="4000" dirty="0" smtClean="0"/>
+              <a:t> </a:t>
+            </a:r>
+            <a:r>
+              <a:rPr lang="en-US" altLang="zh-CN" sz="4000" dirty="0" smtClean="0"/>
+              <a:t>corrupting</a:t>
+            </a:r>
+            <a:r>
+              <a:rPr lang="zh-CN" altLang="en-US" sz="4000" dirty="0" smtClean="0"/>
+              <a:t> </a:t>
+            </a:r>
+            <a:r>
+              <a:rPr lang="en-US" altLang="zh-CN" sz="4000" dirty="0" smtClean="0"/>
+              <a:t>each</a:t>
+            </a:r>
+            <a:r>
+              <a:rPr lang="zh-CN" altLang="en-US" sz="4000" dirty="0" smtClean="0"/>
+              <a:t> </a:t>
+            </a:r>
+            <a:r>
+              <a:rPr lang="en-US" altLang="zh-CN" sz="4000" dirty="0" smtClean="0"/>
+              <a:t>bit</a:t>
+            </a:r>
+            <a:r>
+              <a:rPr lang="zh-CN" altLang="en-US" sz="4000" dirty="0" smtClean="0"/>
+              <a:t> </a:t>
+            </a:r>
+            <a:r>
+              <a:rPr lang="en-US" altLang="zh-CN" sz="4000" dirty="0" smtClean="0"/>
+              <a:t>in</a:t>
+            </a:r>
+            <a:r>
+              <a:rPr lang="zh-CN" altLang="en-US" sz="4000" dirty="0" smtClean="0"/>
+              <a:t> </a:t>
+            </a:r>
+            <a:r>
+              <a:rPr lang="en-US" altLang="zh-CN" sz="4000" dirty="0" smtClean="0"/>
+              <a:t>a</a:t>
+            </a:r>
+            <a:r>
+              <a:rPr lang="zh-CN" altLang="en-US" sz="4000" dirty="0" smtClean="0"/>
+              <a:t> </a:t>
+            </a:r>
+            <a:r>
+              <a:rPr lang="en-US" altLang="zh-CN" sz="4000" dirty="0" smtClean="0"/>
+              <a:t>variable</a:t>
+            </a:r>
+            <a:r>
+              <a:rPr lang="zh-CN" altLang="en-US" sz="4000" dirty="0" smtClean="0"/>
+              <a:t> </a:t>
+            </a:r>
+            <a:r>
+              <a:rPr lang="en-US" altLang="zh-CN" sz="4000" dirty="0" smtClean="0"/>
+              <a:t>value</a:t>
+            </a:r>
             <a:endParaRPr lang="en-US" sz="4000" dirty="0" smtClean="0"/>
           </a:p>
           <a:p>
@@ -19805,12 +20058,60 @@
           <a:lstStyle/>
           <a:p>
             <a:r>
+              <a:rPr lang="en-US" dirty="0" err="1" smtClean="0">
+                <a:solidFill>
+                  <a:srgbClr val="000000"/>
+                </a:solidFill>
+              </a:rPr>
+              <a:t>S</a:t>
+            </a:r>
+            <a:r>
+              <a:rPr lang="en-US" dirty="0" err="1" smtClean="0">
+                <a:solidFill>
+                  <a:srgbClr val="000000"/>
+                </a:solidFill>
+              </a:rPr>
+              <a:t>pot</a:t>
+            </a:r>
+            <a:r>
+              <a:rPr lang="en-US" dirty="0" err="1" smtClean="0">
+                <a:solidFill>
+                  <a:srgbClr val="000000"/>
+                </a:solidFill>
+              </a:rPr>
+              <a:t>SDC</a:t>
+            </a:r>
+            <a:r>
+              <a:rPr lang="zh-CN" altLang="en-US" dirty="0" smtClean="0">
+                <a:solidFill>
+                  <a:srgbClr val="000000"/>
+                </a:solidFill>
+              </a:rPr>
+              <a:t> </a:t>
+            </a:r>
+            <a:r>
+              <a:rPr lang="en-US" altLang="zh-CN" dirty="0" smtClean="0">
+                <a:solidFill>
+                  <a:srgbClr val="000000"/>
+                </a:solidFill>
+              </a:rPr>
+              <a:t>ANALYSIS</a:t>
+            </a:r>
+            <a:r>
               <a:rPr lang="en-US" dirty="0" smtClean="0">
                 <a:solidFill>
                   <a:srgbClr val="000000"/>
                 </a:solidFill>
               </a:rPr>
-              <a:t>THE</a:t>
+              <a:t> </a:t>
+            </a:r>
+            <a:r>
+              <a:rPr lang="en-US" dirty="0" smtClean="0">
+                <a:solidFill>
+                  <a:srgbClr val="000000"/>
+                </a:solidFill>
+              </a:rPr>
+              <a:t>OF CONJUGATE</a:t>
             </a:r>
             <a:r>
               <a:rPr lang="zh-CN" altLang="en-US" dirty="0" smtClean="0">
@@ -19826,7 +20127,23 @@
                   <a:srgbClr val="000000"/>
                 </a:solidFill>
               </a:rPr>
-              <a:t>SYSTEM</a:t>
+              <a:t>GRADIENT</a:t>
+            </a:r>
+            <a:r>
+              <a:rPr lang="zh-CN" altLang="en-US" dirty="0" smtClean="0">
+                <a:solidFill>
+                  <a:srgbClr val="000000"/>
+                </a:solidFill>
+              </a:rPr>
+              <a:t> </a:t>
+            </a:r>
+            <a:r>
+              <a:rPr lang="en-US" altLang="zh-CN" dirty="0" smtClean="0">
+                <a:solidFill>
+                  <a:srgbClr val="000000"/>
+                </a:solidFill>
+              </a:rPr>
+              <a:t>BENCHMARK</a:t>
             </a:r>
             <a:endParaRPr lang="en-US" dirty="0">
               <a:solidFill>
@@ -19893,7 +20210,7 @@
                   <a:srgbClr val="000000"/>
                 </a:solidFill>
               </a:rPr>
-              <a:t>how the</a:t>
+              <a:t>the</a:t>
             </a:r>
             <a:r>
               <a:rPr lang="zh-CN" altLang="en-US" sz="4000" dirty="0" smtClean="0">
@@ -19909,7 +20226,15 @@
                   <a:srgbClr val="000000"/>
                 </a:solidFill>
               </a:rPr>
-              <a:t>silent data </a:t>
+              <a:t>impact</a:t>
+            </a:r>
+            <a:r>
+              <a:rPr lang="zh-CN" altLang="en-US" sz="4000" dirty="0" smtClean="0">
+                <a:solidFill>
+                  <a:srgbClr val="000000"/>
+                </a:solidFill>
+              </a:rPr>
+              <a:t> </a:t>
             </a:r>
             <a:r>
               <a:rPr lang="en-US" altLang="zh-CN" sz="4000" dirty="0" smtClean="0">
@@ -19917,7 +20242,15 @@
                   <a:srgbClr val="000000"/>
                 </a:solidFill>
               </a:rPr>
-              <a:t>corruption’s </a:t>
+              <a:t>of</a:t>
+            </a:r>
+            <a:r>
+              <a:rPr lang="zh-CN" altLang="en-US" sz="4000" dirty="0" smtClean="0">
+                <a:solidFill>
+                  <a:srgbClr val="000000"/>
+                </a:solidFill>
+              </a:rPr>
+              <a:t> </a:t>
             </a:r>
             <a:r>
               <a:rPr lang="en-US" altLang="zh-CN" sz="4000" dirty="0" smtClean="0">
@@ -19925,7 +20258,23 @@
                   <a:srgbClr val="000000"/>
                 </a:solidFill>
               </a:rPr>
-              <a:t>impact</a:t>
+              <a:t>silent </a:t>
+            </a:r>
+            <a:r>
+              <a:rPr lang="en-US" altLang="zh-CN" sz="4000" dirty="0" smtClean="0">
+                <a:solidFill>
+                  <a:srgbClr val="000000"/>
+                </a:solidFill>
+              </a:rPr>
+              <a:t>data </a:t>
+            </a:r>
+            <a:r>
+              <a:rPr lang="en-US" altLang="zh-CN" sz="4000" dirty="0" smtClean="0">
+                <a:solidFill>
+                  <a:srgbClr val="000000"/>
+                </a:solidFill>
+              </a:rPr>
+              <a:t>corruption</a:t>
             </a:r>
             <a:r>
               <a:rPr lang="zh-CN" altLang="en-US" sz="4000" dirty="0" smtClean="0">
@@ -20010,7 +20359,7 @@
                   <a:srgbClr val="000000"/>
                 </a:solidFill>
               </a:rPr>
-              <a:t>how</a:t>
+              <a:t>transient</a:t>
             </a:r>
             <a:r>
               <a:rPr lang="zh-CN" altLang="en-US" sz="4000" dirty="0" smtClean="0">
@@ -20026,7 +20375,7 @@
                   <a:srgbClr val="000000"/>
                 </a:solidFill>
               </a:rPr>
-              <a:t>a transient</a:t>
+              <a:t>error</a:t>
             </a:r>
             <a:r>
               <a:rPr lang="zh-CN" altLang="en-US" sz="4000" dirty="0" smtClean="0">
@@ -20042,7 +20391,7 @@
                   <a:srgbClr val="000000"/>
                 </a:solidFill>
               </a:rPr>
-              <a:t>error</a:t>
+              <a:t>propagation</a:t>
             </a:r>
             <a:r>
               <a:rPr lang="zh-CN" altLang="en-US" sz="4000" dirty="0" smtClean="0">
@@ -20058,7 +20407,7 @@
                   <a:srgbClr val="000000"/>
                 </a:solidFill>
               </a:rPr>
-              <a:t>propagates</a:t>
+              <a:t>through</a:t>
             </a:r>
             <a:r>
               <a:rPr lang="zh-CN" altLang="en-US" sz="4000" dirty="0" smtClean="0">
@@ -20074,7 +20423,7 @@
                   <a:srgbClr val="000000"/>
                 </a:solidFill>
               </a:rPr>
-              <a:t>through</a:t>
+              <a:t>a</a:t>
             </a:r>
             <a:r>
               <a:rPr lang="zh-CN" altLang="en-US" sz="4000" dirty="0" smtClean="0">
@@ -20090,7 +20439,7 @@
                   <a:srgbClr val="000000"/>
                 </a:solidFill>
               </a:rPr>
-              <a:t>a</a:t>
+              <a:t>program</a:t>
             </a:r>
             <a:r>
               <a:rPr lang="zh-CN" altLang="en-US" sz="4000" dirty="0" smtClean="0">
@@ -20106,7 +20455,15 @@
                   <a:srgbClr val="000000"/>
                 </a:solidFill>
               </a:rPr>
-              <a:t>program.</a:t>
+              <a:t>execution</a:t>
+            </a:r>
+            <a:r>
+              <a:rPr lang="en-US" altLang="zh-CN" sz="4000" dirty="0" smtClean="0">
+                <a:solidFill>
+                  <a:srgbClr val="000000"/>
+                </a:solidFill>
+              </a:rPr>
+              <a:t>.</a:t>
             </a:r>
             <a:endParaRPr lang="en-US" sz="4000" dirty="0">
               <a:solidFill>
@@ -20933,36 +21290,6 @@
           </a:p>
         </p:txBody>
       </p:sp>
-      <p:pic>
-        <p:nvPicPr>
-          <p:cNvPr id="12" name="Picture 11" descr="screenshot.png"/>
-          <p:cNvPicPr>
-            <a:picLocks noChangeAspect="1"/>
-          </p:cNvPicPr>
-          <p:nvPr/>
-        </p:nvPicPr>
-        <p:blipFill>
-          <a:blip r:embed="rId5">
-            <a:extLst>
-              <a:ext uri="{28A0092B-C50C-407E-A947-70E740481C1C}">
-                <a14:useLocalDpi xmlns:a14="http://schemas.microsoft.com/office/drawing/2010/main" val="0"/>
-              </a:ext>
-            </a:extLst>
-          </a:blip>
-          <a:stretch>
-            <a:fillRect/>
-          </a:stretch>
-        </p:blipFill>
-        <p:spPr>
-          <a:xfrm>
-            <a:off x="11655443" y="6600248"/>
-            <a:ext cx="20907356" cy="11379527"/>
-          </a:xfrm>
-          <a:prstGeom prst="rect">
-            <a:avLst/>
-          </a:prstGeom>
-        </p:spPr>
-      </p:pic>
       <p:sp>
         <p:nvSpPr>
           <p:cNvPr id="38" name="Text Placeholder 7"/>
@@ -21495,7 +21822,15 @@
                   <a:srgbClr val="000000"/>
                 </a:solidFill>
               </a:rPr>
-              <a:t>corruption</a:t>
+              <a:t>corruption’s</a:t>
+            </a:r>
+            <a:r>
+              <a:rPr lang="zh-CN" altLang="en-US" sz="4000" dirty="0" smtClean="0">
+                <a:solidFill>
+                  <a:srgbClr val="000000"/>
+                </a:solidFill>
+              </a:rPr>
+              <a:t> </a:t>
             </a:r>
             <a:r>
               <a:rPr lang="en-US" altLang="zh-CN" sz="4000" dirty="0" smtClean="0">
@@ -21503,7 +21838,7 @@
                   <a:srgbClr val="000000"/>
                 </a:solidFill>
               </a:rPr>
-              <a:t>’s</a:t>
+              <a:t>impact</a:t>
             </a:r>
             <a:r>
               <a:rPr lang="zh-CN" altLang="en-US" sz="4000" dirty="0" smtClean="0">
@@ -21519,7 +21854,7 @@
                   <a:srgbClr val="000000"/>
                 </a:solidFill>
               </a:rPr>
-              <a:t>impact</a:t>
+              <a:t>on</a:t>
             </a:r>
             <a:r>
               <a:rPr lang="zh-CN" altLang="en-US" sz="4000" dirty="0" smtClean="0">
@@ -21535,7 +21870,7 @@
                   <a:srgbClr val="000000"/>
                 </a:solidFill>
               </a:rPr>
-              <a:t>on</a:t>
+              <a:t>a</a:t>
             </a:r>
             <a:r>
               <a:rPr lang="zh-CN" altLang="en-US" sz="4000" dirty="0" smtClean="0">
@@ -21551,29 +21886,8 @@
                   <a:srgbClr val="000000"/>
                 </a:solidFill>
               </a:rPr>
-              <a:t>a</a:t>
-            </a:r>
-            <a:r>
-              <a:rPr lang="zh-CN" altLang="en-US" sz="4000" dirty="0" smtClean="0">
-                <a:solidFill>
-                  <a:srgbClr val="000000"/>
-                </a:solidFill>
-              </a:rPr>
-              <a:t> </a:t>
-            </a:r>
-            <a:r>
-              <a:rPr lang="en-US" altLang="zh-CN" sz="4000" smtClean="0">
-                <a:solidFill>
-                  <a:srgbClr val="000000"/>
-                </a:solidFill>
-              </a:rPr>
               <a:t>programs.</a:t>
             </a:r>
-            <a:endParaRPr lang="en-US" altLang="zh-CN" sz="4000" dirty="0" smtClean="0">
-              <a:solidFill>
-                <a:srgbClr val="000000"/>
-              </a:solidFill>
-            </a:endParaRPr>
           </a:p>
           <a:p>
             <a:pPr marL="342900" indent="-342900">
@@ -21879,6 +22193,8 @@
               </a:rPr>
               <a:t>programs.</a:t>
             </a:r>
+          </a:p>
+          <a:p>
             <a:endParaRPr lang="en-US" altLang="zh-CN" sz="4000" dirty="0" smtClean="0">
               <a:solidFill>
                 <a:srgbClr val="000000"/>
@@ -21886,6 +22202,63 @@
             </a:endParaRPr>
           </a:p>
           <a:p>
+            <a:endParaRPr lang="en-US" altLang="zh-CN" sz="4000" dirty="0">
+              <a:solidFill>
+                <a:srgbClr val="000000"/>
+              </a:solidFill>
+            </a:endParaRPr>
+          </a:p>
+          <a:p>
+            <a:endParaRPr lang="en-US" altLang="zh-CN" sz="3200" dirty="0" smtClean="0">
+              <a:solidFill>
+                <a:srgbClr val="000000"/>
+              </a:solidFill>
+            </a:endParaRPr>
+          </a:p>
+          <a:p>
+            <a:endParaRPr lang="en-US" sz="4000" dirty="0" smtClean="0">
+              <a:solidFill>
+                <a:srgbClr val="000000"/>
+              </a:solidFill>
+            </a:endParaRPr>
+          </a:p>
+          <a:p>
+            <a:endParaRPr lang="en-US" sz="4000" dirty="0" smtClean="0">
+              <a:solidFill>
+                <a:srgbClr val="000000"/>
+              </a:solidFill>
+            </a:endParaRPr>
+          </a:p>
+          <a:p>
+            <a:endParaRPr lang="en-US" sz="4000" dirty="0">
+              <a:solidFill>
+                <a:srgbClr val="000000"/>
+              </a:solidFill>
+            </a:endParaRPr>
+          </a:p>
+          <a:p>
+            <a:endParaRPr lang="en-US" sz="4000" dirty="0" smtClean="0">
+              <a:solidFill>
+                <a:srgbClr val="000000"/>
+              </a:solidFill>
+            </a:endParaRPr>
+          </a:p>
+          <a:p>
+            <a:endParaRPr lang="en-US" altLang="zh-CN" sz="5400" dirty="0">
+              <a:solidFill>
+                <a:srgbClr val="000000"/>
+              </a:solidFill>
+            </a:endParaRPr>
+          </a:p>
+          <a:p>
+            <a:r>
+              <a:rPr lang="zh-CN" altLang="en-US" sz="4000" dirty="0">
+                <a:solidFill>
+                  <a:srgbClr val="000000"/>
+                </a:solidFill>
+              </a:rPr>
+              <a:t> </a:t>
+            </a:r>
             <a:endParaRPr lang="en-US" altLang="zh-CN" sz="4000" dirty="0" smtClean="0">
               <a:solidFill>
                 <a:srgbClr val="000000"/>
@@ -21893,160 +22266,95 @@
             </a:endParaRPr>
           </a:p>
           <a:p>
-            <a:endParaRPr lang="en-US" altLang="zh-CN" sz="4000" dirty="0">
-              <a:solidFill>
-                <a:srgbClr val="000000"/>
-              </a:solidFill>
-            </a:endParaRPr>
-          </a:p>
-          <a:p>
-            <a:endParaRPr lang="en-US" altLang="zh-CN" sz="3200" dirty="0" smtClean="0">
-              <a:solidFill>
-                <a:srgbClr val="000000"/>
-              </a:solidFill>
-            </a:endParaRPr>
-          </a:p>
-          <a:p>
-            <a:endParaRPr lang="en-US" altLang="zh-CN" sz="3200" dirty="0">
-              <a:solidFill>
-                <a:srgbClr val="000000"/>
-              </a:solidFill>
-            </a:endParaRPr>
-          </a:p>
-          <a:p>
-            <a:r>
-              <a:rPr lang="zh-CN" altLang="en-US" sz="3200" dirty="0" smtClean="0">
+            <a:r>
+              <a:rPr lang="en-US" sz="2000" dirty="0" err="1" smtClean="0">
                 <a:solidFill>
                   <a:srgbClr val="000000"/>
                 </a:solidFill>
               </a:rPr>
-              <a:t> </a:t>
-            </a:r>
-            <a:r>
-              <a:rPr lang="en-US" sz="3200" dirty="0" err="1">
+              <a:t>Menon</a:t>
+            </a:r>
+            <a:r>
+              <a:rPr lang="en-US" sz="2000" dirty="0">
                 <a:solidFill>
                   <a:srgbClr val="000000"/>
                 </a:solidFill>
               </a:rPr>
-              <a:t>Menon</a:t>
-            </a:r>
-            <a:r>
-              <a:rPr lang="en-US" sz="3200" dirty="0">
+              <a:t>, </a:t>
+            </a:r>
+            <a:r>
+              <a:rPr lang="en-US" sz="2000" dirty="0" err="1">
                 <a:solidFill>
                   <a:srgbClr val="000000"/>
                 </a:solidFill>
               </a:rPr>
-              <a:t>, </a:t>
-            </a:r>
-            <a:r>
-              <a:rPr lang="en-US" sz="3200" dirty="0" err="1">
+              <a:t>Harshitha</a:t>
+            </a:r>
+            <a:r>
+              <a:rPr lang="en-US" sz="2000" dirty="0">
                 <a:solidFill>
                   <a:srgbClr val="000000"/>
                 </a:solidFill>
               </a:rPr>
-              <a:t>Harshitha</a:t>
-            </a:r>
-            <a:r>
-              <a:rPr lang="en-US" sz="3200" dirty="0">
+              <a:t>, and Kathryn </a:t>
+            </a:r>
+            <a:r>
+              <a:rPr lang="en-US" sz="2000" dirty="0" err="1">
                 <a:solidFill>
                   <a:srgbClr val="000000"/>
                 </a:solidFill>
               </a:rPr>
-              <a:t>, and Kathryn </a:t>
-            </a:r>
-            <a:r>
-              <a:rPr lang="en-US" sz="3200" dirty="0" err="1">
+              <a:t>Mohror</a:t>
+            </a:r>
+            <a:r>
+              <a:rPr lang="en-US" sz="2000" dirty="0">
                 <a:solidFill>
                   <a:srgbClr val="000000"/>
                 </a:solidFill>
               </a:rPr>
-              <a:t>Mohror</a:t>
-            </a:r>
-            <a:r>
-              <a:rPr lang="en-US" sz="3200" dirty="0">
+              <a:t>. "</a:t>
+            </a:r>
+            <a:r>
+              <a:rPr lang="en-US" sz="2000" dirty="0" err="1">
                 <a:solidFill>
                   <a:srgbClr val="000000"/>
                 </a:solidFill>
               </a:rPr>
-              <a:t>. "</a:t>
-            </a:r>
-            <a:r>
-              <a:rPr lang="en-US" sz="3200" dirty="0" err="1">
+              <a:t>DisCVar</a:t>
+            </a:r>
+            <a:r>
+              <a:rPr lang="en-US" sz="2000" dirty="0">
                 <a:solidFill>
                   <a:srgbClr val="000000"/>
                 </a:solidFill>
               </a:rPr>
-              <a:t>DisCVar</a:t>
-            </a:r>
-            <a:r>
-              <a:rPr lang="en-US" sz="3200" dirty="0">
+              <a:t>: discovering critical variables using algorithmic differentiation for transient faults." </a:t>
+            </a:r>
+            <a:r>
+              <a:rPr lang="en-US" sz="2000" i="1" dirty="0">
                 <a:solidFill>
                   <a:srgbClr val="000000"/>
                 </a:solidFill>
               </a:rPr>
-              <a:t>: discovering critical variables using algorithmic differentiation for transient faults." </a:t>
-            </a:r>
-            <a:r>
-              <a:rPr lang="en-US" sz="3200" i="1" dirty="0">
+              <a:t>Proceedings of the 23rd ACM SIGPLAN Symposium on Principles and Practice of Parallel Programming</a:t>
+            </a:r>
+            <a:r>
+              <a:rPr lang="en-US" sz="2000" dirty="0">
                 <a:solidFill>
                   <a:srgbClr val="000000"/>
                 </a:solidFill>
               </a:rPr>
-              <a:t>Proceedings of the 23rd ACM SIGPLAN Symposium on Principles and Practice of Parallel Programming</a:t>
-            </a:r>
-            <a:r>
-              <a:rPr lang="en-US" sz="3200" dirty="0">
+              <a:t>. ACM, </a:t>
+            </a:r>
+            <a:r>
+              <a:rPr lang="en-US" sz="2000" dirty="0" smtClean="0">
                 <a:solidFill>
                   <a:srgbClr val="000000"/>
                 </a:solidFill>
               </a:rPr>
-              <a:t>. ACM, 2018.</a:t>
-            </a:r>
-            <a:endParaRPr lang="en-US" sz="3200" dirty="0">
-              <a:solidFill>
-                <a:srgbClr val="000000"/>
-              </a:solidFill>
-            </a:endParaRPr>
-          </a:p>
-          <a:p>
-            <a:endParaRPr lang="en-US" sz="4000" dirty="0" smtClean="0">
-              <a:solidFill>
-                <a:srgbClr val="000000"/>
-              </a:solidFill>
-            </a:endParaRPr>
-          </a:p>
-          <a:p>
-            <a:endParaRPr lang="en-US" sz="4000" dirty="0">
-              <a:solidFill>
-                <a:srgbClr val="000000"/>
-              </a:solidFill>
-            </a:endParaRPr>
-          </a:p>
-          <a:p>
-            <a:endParaRPr lang="en-US" sz="4000" dirty="0">
-              <a:solidFill>
-                <a:srgbClr val="000000"/>
-              </a:solidFill>
-            </a:endParaRPr>
-          </a:p>
-          <a:p>
-            <a:r>
-              <a:rPr lang="en-US" sz="1200" dirty="0">
-                <a:solidFill>
-                  <a:srgbClr val="000000"/>
-                </a:solidFill>
-              </a:rPr>
-              <a:t>This work was performed under the auspices of the U.S. Department of Energy by Lawrence Livermore National Laboratory under Contract DE-AC52-07NA27344 (LLNL-POST-XXXX</a:t>
-            </a:r>
-            <a:r>
-              <a:rPr lang="en-US" sz="1200" dirty="0" smtClean="0">
-                <a:solidFill>
-                  <a:srgbClr val="000000"/>
-                </a:solidFill>
-              </a:rPr>
-              <a:t>)</a:t>
-            </a:r>
-            <a:endParaRPr lang="en-US" sz="1200" dirty="0" smtClean="0">
+              <a:t>2018.</a:t>
+            </a:r>
+            <a:endParaRPr lang="en-US" sz="2000" dirty="0">
               <a:solidFill>
                 <a:srgbClr val="000000"/>
               </a:solidFill>
@@ -22149,7 +22457,7 @@
           <p:nvPr/>
         </p:nvPicPr>
         <p:blipFill>
-          <a:blip r:embed="rId6">
+          <a:blip r:embed="rId5">
             <a:extLst>
               <a:ext uri="{28A0092B-C50C-407E-A947-70E740481C1C}">
                 <a14:useLocalDpi xmlns:a14="http://schemas.microsoft.com/office/drawing/2010/main" val="0"/>
@@ -22179,7 +22487,7 @@
           <p:nvPr/>
         </p:nvPicPr>
         <p:blipFill>
-          <a:blip r:embed="rId7">
+          <a:blip r:embed="rId6">
             <a:extLst>
               <a:ext uri="{28A0092B-C50C-407E-A947-70E740481C1C}">
                 <a14:useLocalDpi xmlns:a14="http://schemas.microsoft.com/office/drawing/2010/main" val="0"/>
@@ -22200,36 +22508,6 @@
           </a:prstGeom>
         </p:spPr>
       </p:pic>
-      <p:pic>
-        <p:nvPicPr>
-          <p:cNvPr id="26" name="Picture 25" descr="screenshot.png"/>
-          <p:cNvPicPr>
-            <a:picLocks noChangeAspect="1"/>
-          </p:cNvPicPr>
-          <p:nvPr/>
-        </p:nvPicPr>
-        <p:blipFill>
-          <a:blip r:embed="rId8">
-            <a:extLst>
-              <a:ext uri="{28A0092B-C50C-407E-A947-70E740481C1C}">
-                <a14:useLocalDpi xmlns:a14="http://schemas.microsoft.com/office/drawing/2010/main" val="0"/>
-              </a:ext>
-            </a:extLst>
-          </a:blip>
-          <a:stretch>
-            <a:fillRect/>
-          </a:stretch>
-        </p:blipFill>
-        <p:spPr>
-          <a:xfrm>
-            <a:off x="33545126" y="8030730"/>
-            <a:ext cx="9696608" cy="8333262"/>
-          </a:xfrm>
-          <a:prstGeom prst="rect">
-            <a:avLst/>
-          </a:prstGeom>
-        </p:spPr>
-      </p:pic>
       <p:sp>
         <p:nvSpPr>
           <p:cNvPr id="59" name="Text Placeholder 7"/>
@@ -22242,8 +22520,8 @@
         </p:nvSpPr>
         <p:spPr>
           <a:xfrm>
-            <a:off x="33392726" y="24994561"/>
-            <a:ext cx="10012833" cy="1437309"/>
+            <a:off x="33392726" y="29709741"/>
+            <a:ext cx="10012833" cy="1182246"/>
           </a:xfrm>
         </p:spPr>
         <p:txBody>
@@ -22258,11 +22536,6 @@
               </a:rPr>
               <a:t>REFERENCE</a:t>
             </a:r>
-            <a:endParaRPr lang="en-US" dirty="0" smtClean="0">
-              <a:solidFill>
-                <a:srgbClr val="000000"/>
-              </a:solidFill>
-            </a:endParaRPr>
           </a:p>
           <a:p>
             <a:endParaRPr lang="en-US" dirty="0"/>
@@ -22278,7 +22551,7 @@
           <p:nvPr/>
         </p:nvPicPr>
         <p:blipFill>
-          <a:blip r:embed="rId9">
+          <a:blip r:embed="rId7">
             <a:extLst>
               <a:ext uri="{28A0092B-C50C-407E-A947-70E740481C1C}">
                 <a14:useLocalDpi xmlns:a14="http://schemas.microsoft.com/office/drawing/2010/main" val="0"/>
@@ -22308,7 +22581,7 @@
           <p:nvPr/>
         </p:nvPicPr>
         <p:blipFill>
-          <a:blip r:embed="rId10">
+          <a:blip r:embed="rId8">
             <a:extLst>
               <a:ext uri="{28A0092B-C50C-407E-A947-70E740481C1C}">
                 <a14:useLocalDpi xmlns:a14="http://schemas.microsoft.com/office/drawing/2010/main" val="0"/>
@@ -22323,6 +22596,66 @@
           <a:xfrm>
             <a:off x="0" y="465813"/>
             <a:ext cx="6886356" cy="3546507"/>
+          </a:xfrm>
+          <a:prstGeom prst="rect">
+            <a:avLst/>
+          </a:prstGeom>
+        </p:spPr>
+      </p:pic>
+      <p:pic>
+        <p:nvPicPr>
+          <p:cNvPr id="63" name="Picture 62" descr="error.png"/>
+          <p:cNvPicPr>
+            <a:picLocks noChangeAspect="1"/>
+          </p:cNvPicPr>
+          <p:nvPr/>
+        </p:nvPicPr>
+        <p:blipFill>
+          <a:blip r:embed="rId9">
+            <a:extLst>
+              <a:ext uri="{28A0092B-C50C-407E-A947-70E740481C1C}">
+                <a14:useLocalDpi xmlns:a14="http://schemas.microsoft.com/office/drawing/2010/main" val="0"/>
+              </a:ext>
+            </a:extLst>
+          </a:blip>
+          <a:stretch>
+            <a:fillRect/>
+          </a:stretch>
+        </p:blipFill>
+        <p:spPr>
+          <a:xfrm>
+            <a:off x="11937254" y="6927232"/>
+            <a:ext cx="20310370" cy="11528917"/>
+          </a:xfrm>
+          <a:prstGeom prst="rect">
+            <a:avLst/>
+          </a:prstGeom>
+        </p:spPr>
+      </p:pic>
+      <p:pic>
+        <p:nvPicPr>
+          <p:cNvPr id="64" name="Picture 63" descr="propagation.png"/>
+          <p:cNvPicPr>
+            <a:picLocks noChangeAspect="1"/>
+          </p:cNvPicPr>
+          <p:nvPr/>
+        </p:nvPicPr>
+        <p:blipFill>
+          <a:blip r:embed="rId10">
+            <a:extLst>
+              <a:ext uri="{28A0092B-C50C-407E-A947-70E740481C1C}">
+                <a14:useLocalDpi xmlns:a14="http://schemas.microsoft.com/office/drawing/2010/main" val="0"/>
+              </a:ext>
+            </a:extLst>
+          </a:blip>
+          <a:stretch>
+            <a:fillRect/>
+          </a:stretch>
+        </p:blipFill>
+        <p:spPr>
+          <a:xfrm>
+            <a:off x="33558312" y="8064187"/>
+            <a:ext cx="9683422" cy="8921339"/>
           </a:xfrm>
           <a:prstGeom prst="rect">
             <a:avLst/>
@@ -22352,7 +22685,7 @@
 <file path=ppt/theme/theme1.xml><?xml version="1.0" encoding="utf-8"?>
 <a:theme xmlns:a="http://schemas.openxmlformats.org/drawingml/2006/main" name="36x48-Template-V2b">
   <a:themeElements>
-    <a:clrScheme name="Waveform">
+    <a:clrScheme name="Apothecary">
       <a:dk1>
         <a:sysClr val="windowText" lastClr="000000"/>
       </a:dk1>
@@ -22360,34 +22693,34 @@
         <a:sysClr val="window" lastClr="FFFFFF"/>
       </a:lt1>
       <a:dk2>
-        <a:srgbClr val="073E87"/>
+        <a:srgbClr val="564B3C"/>
       </a:dk2>
       <a:lt2>
-        <a:srgbClr val="C6E7FC"/>
+        <a:srgbClr val="ECEDD1"/>
       </a:lt2>
       <a:accent1>
-        <a:srgbClr val="31B6FD"/>
+        <a:srgbClr val="93A299"/>
       </a:accent1>
       <a:accent2>
-        <a:srgbClr val="4584D3"/>
+        <a:srgbClr val="CF543F"/>
       </a:accent2>
       <a:accent3>
-        <a:srgbClr val="5BD078"/>
+        <a:srgbClr val="B5AE53"/>
       </a:accent3>
       <a:accent4>
-        <a:srgbClr val="A5D028"/>
+        <a:srgbClr val="848058"/>
       </a:accent4>
       <a:accent5>
-        <a:srgbClr val="F5C040"/>
+        <a:srgbClr val="E8B54D"/>
       </a:accent5>
       <a:accent6>
-        <a:srgbClr val="05E0DB"/>
+        <a:srgbClr val="786C71"/>
       </a:accent6>
       <a:hlink>
-        <a:srgbClr val="0080FF"/>
+        <a:srgbClr val="CCCC00"/>
       </a:hlink>
       <a:folHlink>
-        <a:srgbClr val="5EAEFF"/>
+        <a:srgbClr val="B2B2B2"/>
       </a:folHlink>
     </a:clrScheme>
     <a:fontScheme name="Office">
